--- a/präse/Team Brustkrebs.pptx
+++ b/präse/Team Brustkrebs.pptx
@@ -3032,6 +3032,13 @@
   <p:clrMapOvr>
     <a:masterClrMapping/>
   </p:clrMapOvr>
+  <p:timing>
+    <p:tnLst>
+      <p:par>
+        <p:cTn id="1" dur="indefinite" restart="never" nodeType="tmRoot"/>
+      </p:par>
+    </p:tnLst>
+  </p:timing>
 </p:sld>
 </file>
 
@@ -3108,6 +3115,13 @@
   <p:clrMapOvr>
     <a:masterClrMapping/>
   </p:clrMapOvr>
+  <p:timing>
+    <p:tnLst>
+      <p:par>
+        <p:cTn id="1" dur="indefinite" restart="never" nodeType="tmRoot"/>
+      </p:par>
+    </p:tnLst>
+  </p:timing>
 </p:sld>
 </file>
 
@@ -3275,6 +3289,147 @@
   <p:clrMapOvr>
     <a:masterClrMapping/>
   </p:clrMapOvr>
+  <p:timing>
+    <p:tnLst>
+      <p:par>
+        <p:cTn id="1" dur="indefinite" restart="never" nodeType="tmRoot">
+          <p:childTnLst>
+            <p:seq concurrent="1" nextAc="seek">
+              <p:cTn id="2" dur="indefinite" nodeType="mainSeq">
+                <p:childTnLst>
+                  <p:par>
+                    <p:cTn id="3" fill="hold">
+                      <p:stCondLst>
+                        <p:cond delay="indefinite"/>
+                      </p:stCondLst>
+                      <p:childTnLst>
+                        <p:par>
+                          <p:cTn id="4" fill="hold">
+                            <p:stCondLst>
+                              <p:cond delay="0"/>
+                            </p:stCondLst>
+                            <p:childTnLst>
+                              <p:par>
+                                <p:cTn id="5" presetID="1" presetClass="entr" presetSubtype="0" fill="hold" nodeType="clickEffect">
+                                  <p:stCondLst>
+                                    <p:cond delay="0"/>
+                                  </p:stCondLst>
+                                  <p:childTnLst>
+                                    <p:set>
+                                      <p:cBhvr>
+                                        <p:cTn id="6" dur="1" fill="hold">
+                                          <p:stCondLst>
+                                            <p:cond delay="0"/>
+                                          </p:stCondLst>
+                                        </p:cTn>
+                                        <p:tgtEl>
+                                          <p:spTgt spid="3">
+                                            <p:txEl>
+                                              <p:pRg st="4" end="4"/>
+                                            </p:txEl>
+                                          </p:spTgt>
+                                        </p:tgtEl>
+                                        <p:attrNameLst>
+                                          <p:attrName>style.visibility</p:attrName>
+                                        </p:attrNameLst>
+                                      </p:cBhvr>
+                                      <p:to>
+                                        <p:strVal val="visible"/>
+                                      </p:to>
+                                    </p:set>
+                                  </p:childTnLst>
+                                </p:cTn>
+                              </p:par>
+                              <p:par>
+                                <p:cTn id="7" presetID="1" presetClass="entr" presetSubtype="0" fill="hold" nodeType="withEffect">
+                                  <p:stCondLst>
+                                    <p:cond delay="0"/>
+                                  </p:stCondLst>
+                                  <p:childTnLst>
+                                    <p:set>
+                                      <p:cBhvr>
+                                        <p:cTn id="8" dur="1" fill="hold">
+                                          <p:stCondLst>
+                                            <p:cond delay="0"/>
+                                          </p:stCondLst>
+                                        </p:cTn>
+                                        <p:tgtEl>
+                                          <p:spTgt spid="3">
+                                            <p:txEl>
+                                              <p:pRg st="5" end="5"/>
+                                            </p:txEl>
+                                          </p:spTgt>
+                                        </p:tgtEl>
+                                        <p:attrNameLst>
+                                          <p:attrName>style.visibility</p:attrName>
+                                        </p:attrNameLst>
+                                      </p:cBhvr>
+                                      <p:to>
+                                        <p:strVal val="visible"/>
+                                      </p:to>
+                                    </p:set>
+                                  </p:childTnLst>
+                                </p:cTn>
+                              </p:par>
+                              <p:par>
+                                <p:cTn id="9" presetID="1" presetClass="entr" presetSubtype="0" fill="hold" nodeType="withEffect">
+                                  <p:stCondLst>
+                                    <p:cond delay="0"/>
+                                  </p:stCondLst>
+                                  <p:childTnLst>
+                                    <p:set>
+                                      <p:cBhvr>
+                                        <p:cTn id="10" dur="1" fill="hold">
+                                          <p:stCondLst>
+                                            <p:cond delay="0"/>
+                                          </p:stCondLst>
+                                        </p:cTn>
+                                        <p:tgtEl>
+                                          <p:spTgt spid="3">
+                                            <p:txEl>
+                                              <p:pRg st="6" end="6"/>
+                                            </p:txEl>
+                                          </p:spTgt>
+                                        </p:tgtEl>
+                                        <p:attrNameLst>
+                                          <p:attrName>style.visibility</p:attrName>
+                                        </p:attrNameLst>
+                                      </p:cBhvr>
+                                      <p:to>
+                                        <p:strVal val="visible"/>
+                                      </p:to>
+                                    </p:set>
+                                  </p:childTnLst>
+                                </p:cTn>
+                              </p:par>
+                            </p:childTnLst>
+                          </p:cTn>
+                        </p:par>
+                      </p:childTnLst>
+                    </p:cTn>
+                  </p:par>
+                </p:childTnLst>
+              </p:cTn>
+              <p:prevCondLst>
+                <p:cond evt="onPrev" delay="0">
+                  <p:tgtEl>
+                    <p:sldTgt/>
+                  </p:tgtEl>
+                </p:cond>
+              </p:prevCondLst>
+              <p:nextCondLst>
+                <p:cond evt="onNext" delay="0">
+                  <p:tgtEl>
+                    <p:sldTgt/>
+                  </p:tgtEl>
+                </p:cond>
+              </p:nextCondLst>
+            </p:seq>
+          </p:childTnLst>
+        </p:cTn>
+      </p:par>
+    </p:tnLst>
+  </p:timing>
 </p:sld>
 </file>
 
@@ -3331,7 +3486,7 @@
         </p:nvSpPr>
         <p:spPr>
           <a:xfrm>
-            <a:off x="7432059" y="1690688"/>
+            <a:off x="4908259" y="1690688"/>
             <a:ext cx="3921741" cy="4351338"/>
           </a:xfrm>
         </p:spPr>
@@ -3451,7 +3606,7 @@
         </p:blipFill>
         <p:spPr>
           <a:xfrm>
-            <a:off x="131619" y="1491906"/>
+            <a:off x="-2392181" y="1491906"/>
             <a:ext cx="6992326" cy="5601482"/>
           </a:xfrm>
           <a:prstGeom prst="rect">
@@ -3469,6 +3624,241 @@
   <p:clrMapOvr>
     <a:masterClrMapping/>
   </p:clrMapOvr>
+  <p:timing>
+    <p:tnLst>
+      <p:par>
+        <p:cTn id="1" dur="indefinite" restart="never" nodeType="tmRoot">
+          <p:childTnLst>
+            <p:seq concurrent="1" nextAc="seek">
+              <p:cTn id="2" dur="indefinite" nodeType="mainSeq">
+                <p:childTnLst>
+                  <p:par>
+                    <p:cTn id="3" fill="hold">
+                      <p:stCondLst>
+                        <p:cond delay="indefinite"/>
+                      </p:stCondLst>
+                      <p:childTnLst>
+                        <p:par>
+                          <p:cTn id="4" fill="hold">
+                            <p:stCondLst>
+                              <p:cond delay="0"/>
+                            </p:stCondLst>
+                            <p:childTnLst>
+                              <p:par>
+                                <p:cTn id="5" presetID="1" presetClass="entr" presetSubtype="0" fill="hold" nodeType="clickEffect">
+                                  <p:stCondLst>
+                                    <p:cond delay="0"/>
+                                  </p:stCondLst>
+                                  <p:childTnLst>
+                                    <p:set>
+                                      <p:cBhvr>
+                                        <p:cTn id="6" dur="1" fill="hold">
+                                          <p:stCondLst>
+                                            <p:cond delay="0"/>
+                                          </p:stCondLst>
+                                        </p:cTn>
+                                        <p:tgtEl>
+                                          <p:spTgt spid="7">
+                                            <p:txEl>
+                                              <p:pRg st="0" end="0"/>
+                                            </p:txEl>
+                                          </p:spTgt>
+                                        </p:tgtEl>
+                                        <p:attrNameLst>
+                                          <p:attrName>style.visibility</p:attrName>
+                                        </p:attrNameLst>
+                                      </p:cBhvr>
+                                      <p:to>
+                                        <p:strVal val="visible"/>
+                                      </p:to>
+                                    </p:set>
+                                  </p:childTnLst>
+                                </p:cTn>
+                              </p:par>
+                              <p:par>
+                                <p:cTn id="7" presetID="1" presetClass="entr" presetSubtype="0" fill="hold" nodeType="withEffect">
+                                  <p:stCondLst>
+                                    <p:cond delay="0"/>
+                                  </p:stCondLst>
+                                  <p:childTnLst>
+                                    <p:set>
+                                      <p:cBhvr>
+                                        <p:cTn id="8" dur="1" fill="hold">
+                                          <p:stCondLst>
+                                            <p:cond delay="0"/>
+                                          </p:stCondLst>
+                                        </p:cTn>
+                                        <p:tgtEl>
+                                          <p:spTgt spid="7">
+                                            <p:txEl>
+                                              <p:pRg st="1" end="1"/>
+                                            </p:txEl>
+                                          </p:spTgt>
+                                        </p:tgtEl>
+                                        <p:attrNameLst>
+                                          <p:attrName>style.visibility</p:attrName>
+                                        </p:attrNameLst>
+                                      </p:cBhvr>
+                                      <p:to>
+                                        <p:strVal val="visible"/>
+                                      </p:to>
+                                    </p:set>
+                                  </p:childTnLst>
+                                </p:cTn>
+                              </p:par>
+                              <p:par>
+                                <p:cTn id="9" presetID="1" presetClass="entr" presetSubtype="0" fill="hold" nodeType="withEffect">
+                                  <p:stCondLst>
+                                    <p:cond delay="0"/>
+                                  </p:stCondLst>
+                                  <p:childTnLst>
+                                    <p:set>
+                                      <p:cBhvr>
+                                        <p:cTn id="10" dur="1" fill="hold">
+                                          <p:stCondLst>
+                                            <p:cond delay="0"/>
+                                          </p:stCondLst>
+                                        </p:cTn>
+                                        <p:tgtEl>
+                                          <p:spTgt spid="8"/>
+                                        </p:tgtEl>
+                                        <p:attrNameLst>
+                                          <p:attrName>style.visibility</p:attrName>
+                                        </p:attrNameLst>
+                                      </p:cBhvr>
+                                      <p:to>
+                                        <p:strVal val="visible"/>
+                                      </p:to>
+                                    </p:set>
+                                  </p:childTnLst>
+                                </p:cTn>
+                              </p:par>
+                            </p:childTnLst>
+                          </p:cTn>
+                        </p:par>
+                      </p:childTnLst>
+                    </p:cTn>
+                  </p:par>
+                  <p:par>
+                    <p:cTn id="11" fill="hold">
+                      <p:stCondLst>
+                        <p:cond delay="indefinite"/>
+                      </p:stCondLst>
+                      <p:childTnLst>
+                        <p:par>
+                          <p:cTn id="12" fill="hold">
+                            <p:stCondLst>
+                              <p:cond delay="0"/>
+                            </p:stCondLst>
+                            <p:childTnLst>
+                              <p:par>
+                                <p:cTn id="13" presetID="1" presetClass="entr" presetSubtype="0" fill="hold" nodeType="clickEffect">
+                                  <p:stCondLst>
+                                    <p:cond delay="0"/>
+                                  </p:stCondLst>
+                                  <p:childTnLst>
+                                    <p:set>
+                                      <p:cBhvr>
+                                        <p:cTn id="14" dur="1" fill="hold">
+                                          <p:stCondLst>
+                                            <p:cond delay="0"/>
+                                          </p:stCondLst>
+                                        </p:cTn>
+                                        <p:tgtEl>
+                                          <p:spTgt spid="7">
+                                            <p:txEl>
+                                              <p:pRg st="3" end="3"/>
+                                            </p:txEl>
+                                          </p:spTgt>
+                                        </p:tgtEl>
+                                        <p:attrNameLst>
+                                          <p:attrName>style.visibility</p:attrName>
+                                        </p:attrNameLst>
+                                      </p:cBhvr>
+                                      <p:to>
+                                        <p:strVal val="visible"/>
+                                      </p:to>
+                                    </p:set>
+                                  </p:childTnLst>
+                                </p:cTn>
+                              </p:par>
+                            </p:childTnLst>
+                          </p:cTn>
+                        </p:par>
+                      </p:childTnLst>
+                    </p:cTn>
+                  </p:par>
+                  <p:par>
+                    <p:cTn id="15" fill="hold">
+                      <p:stCondLst>
+                        <p:cond delay="indefinite"/>
+                      </p:stCondLst>
+                      <p:childTnLst>
+                        <p:par>
+                          <p:cTn id="16" fill="hold">
+                            <p:stCondLst>
+                              <p:cond delay="0"/>
+                            </p:stCondLst>
+                            <p:childTnLst>
+                              <p:par>
+                                <p:cTn id="17" presetID="1" presetClass="entr" presetSubtype="0" fill="hold" nodeType="clickEffect">
+                                  <p:stCondLst>
+                                    <p:cond delay="0"/>
+                                  </p:stCondLst>
+                                  <p:childTnLst>
+                                    <p:set>
+                                      <p:cBhvr>
+                                        <p:cTn id="18" dur="1" fill="hold">
+                                          <p:stCondLst>
+                                            <p:cond delay="0"/>
+                                          </p:stCondLst>
+                                        </p:cTn>
+                                        <p:tgtEl>
+                                          <p:spTgt spid="7">
+                                            <p:txEl>
+                                              <p:pRg st="5" end="5"/>
+                                            </p:txEl>
+                                          </p:spTgt>
+                                        </p:tgtEl>
+                                        <p:attrNameLst>
+                                          <p:attrName>style.visibility</p:attrName>
+                                        </p:attrNameLst>
+                                      </p:cBhvr>
+                                      <p:to>
+                                        <p:strVal val="visible"/>
+                                      </p:to>
+                                    </p:set>
+                                  </p:childTnLst>
+                                </p:cTn>
+                              </p:par>
+                            </p:childTnLst>
+                          </p:cTn>
+                        </p:par>
+                      </p:childTnLst>
+                    </p:cTn>
+                  </p:par>
+                </p:childTnLst>
+              </p:cTn>
+              <p:prevCondLst>
+                <p:cond evt="onPrev" delay="0">
+                  <p:tgtEl>
+                    <p:sldTgt/>
+                  </p:tgtEl>
+                </p:cond>
+              </p:prevCondLst>
+              <p:nextCondLst>
+                <p:cond evt="onNext" delay="0">
+                  <p:tgtEl>
+                    <p:sldTgt/>
+                  </p:tgtEl>
+                </p:cond>
+              </p:nextCondLst>
+            </p:seq>
+          </p:childTnLst>
+        </p:cTn>
+      </p:par>
+    </p:tnLst>
+  </p:timing>
 </p:sld>
 </file>
 
@@ -3553,6 +3943,13 @@
   <p:clrMapOvr>
     <a:masterClrMapping/>
   </p:clrMapOvr>
+  <p:timing>
+    <p:tnLst>
+      <p:par>
+        <p:cTn id="1" dur="indefinite" restart="never" nodeType="tmRoot"/>
+      </p:par>
+    </p:tnLst>
+  </p:timing>
 </p:sld>
 </file>
 
@@ -3729,6 +4126,232 @@
   <p:clrMapOvr>
     <a:masterClrMapping/>
   </p:clrMapOvr>
+  <p:timing>
+    <p:tnLst>
+      <p:par>
+        <p:cTn id="1" dur="indefinite" restart="never" nodeType="tmRoot">
+          <p:childTnLst>
+            <p:seq concurrent="1" nextAc="seek">
+              <p:cTn id="2" dur="indefinite" nodeType="mainSeq">
+                <p:childTnLst>
+                  <p:par>
+                    <p:cTn id="3" fill="hold">
+                      <p:stCondLst>
+                        <p:cond delay="indefinite"/>
+                      </p:stCondLst>
+                      <p:childTnLst>
+                        <p:par>
+                          <p:cTn id="4" fill="hold">
+                            <p:stCondLst>
+                              <p:cond delay="0"/>
+                            </p:stCondLst>
+                            <p:childTnLst>
+                              <p:par>
+                                <p:cTn id="5" presetID="1" presetClass="entr" presetSubtype="0" fill="hold" nodeType="clickEffect">
+                                  <p:stCondLst>
+                                    <p:cond delay="0"/>
+                                  </p:stCondLst>
+                                  <p:childTnLst>
+                                    <p:set>
+                                      <p:cBhvr>
+                                        <p:cTn id="6" dur="1" fill="hold">
+                                          <p:stCondLst>
+                                            <p:cond delay="0"/>
+                                          </p:stCondLst>
+                                        </p:cTn>
+                                        <p:tgtEl>
+                                          <p:spTgt spid="3">
+                                            <p:txEl>
+                                              <p:pRg st="3" end="3"/>
+                                            </p:txEl>
+                                          </p:spTgt>
+                                        </p:tgtEl>
+                                        <p:attrNameLst>
+                                          <p:attrName>style.visibility</p:attrName>
+                                        </p:attrNameLst>
+                                      </p:cBhvr>
+                                      <p:to>
+                                        <p:strVal val="visible"/>
+                                      </p:to>
+                                    </p:set>
+                                  </p:childTnLst>
+                                </p:cTn>
+                              </p:par>
+                            </p:childTnLst>
+                          </p:cTn>
+                        </p:par>
+                      </p:childTnLst>
+                    </p:cTn>
+                  </p:par>
+                  <p:par>
+                    <p:cTn id="7" fill="hold">
+                      <p:stCondLst>
+                        <p:cond delay="indefinite"/>
+                      </p:stCondLst>
+                      <p:childTnLst>
+                        <p:par>
+                          <p:cTn id="8" fill="hold">
+                            <p:stCondLst>
+                              <p:cond delay="0"/>
+                            </p:stCondLst>
+                            <p:childTnLst>
+                              <p:par>
+                                <p:cTn id="9" presetID="1" presetClass="entr" presetSubtype="0" fill="hold" nodeType="clickEffect">
+                                  <p:stCondLst>
+                                    <p:cond delay="0"/>
+                                  </p:stCondLst>
+                                  <p:childTnLst>
+                                    <p:set>
+                                      <p:cBhvr>
+                                        <p:cTn id="10" dur="1" fill="hold">
+                                          <p:stCondLst>
+                                            <p:cond delay="0"/>
+                                          </p:stCondLst>
+                                        </p:cTn>
+                                        <p:tgtEl>
+                                          <p:spTgt spid="3">
+                                            <p:txEl>
+                                              <p:pRg st="4" end="4"/>
+                                            </p:txEl>
+                                          </p:spTgt>
+                                        </p:tgtEl>
+                                        <p:attrNameLst>
+                                          <p:attrName>style.visibility</p:attrName>
+                                        </p:attrNameLst>
+                                      </p:cBhvr>
+                                      <p:to>
+                                        <p:strVal val="visible"/>
+                                      </p:to>
+                                    </p:set>
+                                  </p:childTnLst>
+                                </p:cTn>
+                              </p:par>
+                            </p:childTnLst>
+                          </p:cTn>
+                        </p:par>
+                      </p:childTnLst>
+                    </p:cTn>
+                  </p:par>
+                  <p:par>
+                    <p:cTn id="11" fill="hold">
+                      <p:stCondLst>
+                        <p:cond delay="indefinite"/>
+                      </p:stCondLst>
+                      <p:childTnLst>
+                        <p:par>
+                          <p:cTn id="12" fill="hold">
+                            <p:stCondLst>
+                              <p:cond delay="0"/>
+                            </p:stCondLst>
+                            <p:childTnLst>
+                              <p:par>
+                                <p:cTn id="13" presetID="1" presetClass="entr" presetSubtype="0" fill="hold" nodeType="clickEffect">
+                                  <p:stCondLst>
+                                    <p:cond delay="0"/>
+                                  </p:stCondLst>
+                                  <p:childTnLst>
+                                    <p:set>
+                                      <p:cBhvr>
+                                        <p:cTn id="14" dur="1" fill="hold">
+                                          <p:stCondLst>
+                                            <p:cond delay="0"/>
+                                          </p:stCondLst>
+                                        </p:cTn>
+                                        <p:tgtEl>
+                                          <p:spTgt spid="3">
+                                            <p:txEl>
+                                              <p:pRg st="5" end="5"/>
+                                            </p:txEl>
+                                          </p:spTgt>
+                                        </p:tgtEl>
+                                        <p:attrNameLst>
+                                          <p:attrName>style.visibility</p:attrName>
+                                        </p:attrNameLst>
+                                      </p:cBhvr>
+                                      <p:to>
+                                        <p:strVal val="visible"/>
+                                      </p:to>
+                                    </p:set>
+                                  </p:childTnLst>
+                                </p:cTn>
+                              </p:par>
+                            </p:childTnLst>
+                          </p:cTn>
+                        </p:par>
+                      </p:childTnLst>
+                    </p:cTn>
+                  </p:par>
+                  <p:par>
+                    <p:cTn id="15" fill="hold">
+                      <p:stCondLst>
+                        <p:cond delay="indefinite"/>
+                      </p:stCondLst>
+                      <p:childTnLst>
+                        <p:par>
+                          <p:cTn id="16" fill="hold">
+                            <p:stCondLst>
+                              <p:cond delay="0"/>
+                            </p:stCondLst>
+                            <p:childTnLst>
+                              <p:par>
+                                <p:cTn id="17" presetID="1" presetClass="entr" presetSubtype="0" fill="hold" nodeType="clickEffect">
+                                  <p:stCondLst>
+                                    <p:cond delay="0"/>
+                                  </p:stCondLst>
+                                  <p:childTnLst>
+                                    <p:set>
+                                      <p:cBhvr>
+                                        <p:cTn id="18" dur="1" fill="hold">
+                                          <p:stCondLst>
+                                            <p:cond delay="0"/>
+                                          </p:stCondLst>
+                                        </p:cTn>
+                                        <p:tgtEl>
+                                          <p:spTgt spid="3">
+                                            <p:txEl>
+                                              <p:pRg st="6" end="6"/>
+                                            </p:txEl>
+                                          </p:spTgt>
+                                        </p:tgtEl>
+                                        <p:attrNameLst>
+                                          <p:attrName>style.visibility</p:attrName>
+                                        </p:attrNameLst>
+                                      </p:cBhvr>
+                                      <p:to>
+                                        <p:strVal val="visible"/>
+                                      </p:to>
+                                    </p:set>
+                                  </p:childTnLst>
+                                </p:cTn>
+                              </p:par>
+                            </p:childTnLst>
+                          </p:cTn>
+                        </p:par>
+                      </p:childTnLst>
+                    </p:cTn>
+                  </p:par>
+                </p:childTnLst>
+              </p:cTn>
+              <p:prevCondLst>
+                <p:cond evt="onPrev" delay="0">
+                  <p:tgtEl>
+                    <p:sldTgt/>
+                  </p:tgtEl>
+                </p:cond>
+              </p:prevCondLst>
+              <p:nextCondLst>
+                <p:cond evt="onNext" delay="0">
+                  <p:tgtEl>
+                    <p:sldTgt/>
+                  </p:tgtEl>
+                </p:cond>
+              </p:nextCondLst>
+            </p:seq>
+          </p:childTnLst>
+        </p:cTn>
+      </p:par>
+    </p:tnLst>
+  </p:timing>
 </p:sld>
 </file>
 
@@ -3802,6 +4425,13 @@
   <p:clrMapOvr>
     <a:masterClrMapping/>
   </p:clrMapOvr>
+  <p:timing>
+    <p:tnLst>
+      <p:par>
+        <p:cTn id="1" dur="indefinite" restart="never" nodeType="tmRoot"/>
+      </p:par>
+    </p:tnLst>
+  </p:timing>
 </p:sld>
 </file>
 
@@ -3875,6 +4505,13 @@
   <p:clrMapOvr>
     <a:masterClrMapping/>
   </p:clrMapOvr>
+  <p:timing>
+    <p:tnLst>
+      <p:par>
+        <p:cTn id="1" dur="indefinite" restart="never" nodeType="tmRoot"/>
+      </p:par>
+    </p:tnLst>
+  </p:timing>
 </p:sld>
 </file>
 
@@ -4297,6 +4934,222 @@
   <p:clrMapOvr>
     <a:masterClrMapping/>
   </p:clrMapOvr>
+  <p:timing>
+    <p:tnLst>
+      <p:par>
+        <p:cTn id="1" dur="indefinite" restart="never" nodeType="tmRoot">
+          <p:childTnLst>
+            <p:seq concurrent="1" nextAc="seek">
+              <p:cTn id="2" dur="indefinite" nodeType="mainSeq">
+                <p:childTnLst>
+                  <p:par>
+                    <p:cTn id="3" fill="hold">
+                      <p:stCondLst>
+                        <p:cond delay="indefinite"/>
+                      </p:stCondLst>
+                      <p:childTnLst>
+                        <p:par>
+                          <p:cTn id="4" fill="hold">
+                            <p:stCondLst>
+                              <p:cond delay="0"/>
+                            </p:stCondLst>
+                            <p:childTnLst>
+                              <p:par>
+                                <p:cTn id="5" presetID="1" presetClass="entr" presetSubtype="0" fill="hold" grpId="0" nodeType="clickEffect">
+                                  <p:stCondLst>
+                                    <p:cond delay="0"/>
+                                  </p:stCondLst>
+                                  <p:childTnLst>
+                                    <p:set>
+                                      <p:cBhvr>
+                                        <p:cTn id="6" dur="1" fill="hold">
+                                          <p:stCondLst>
+                                            <p:cond delay="0"/>
+                                          </p:stCondLst>
+                                        </p:cTn>
+                                        <p:tgtEl>
+                                          <p:spTgt spid="5"/>
+                                        </p:tgtEl>
+                                        <p:attrNameLst>
+                                          <p:attrName>style.visibility</p:attrName>
+                                        </p:attrNameLst>
+                                      </p:cBhvr>
+                                      <p:to>
+                                        <p:strVal val="visible"/>
+                                      </p:to>
+                                    </p:set>
+                                  </p:childTnLst>
+                                </p:cTn>
+                              </p:par>
+                            </p:childTnLst>
+                          </p:cTn>
+                        </p:par>
+                      </p:childTnLst>
+                    </p:cTn>
+                  </p:par>
+                  <p:par>
+                    <p:cTn id="7" fill="hold">
+                      <p:stCondLst>
+                        <p:cond delay="indefinite"/>
+                      </p:stCondLst>
+                      <p:childTnLst>
+                        <p:par>
+                          <p:cTn id="8" fill="hold">
+                            <p:stCondLst>
+                              <p:cond delay="0"/>
+                            </p:stCondLst>
+                            <p:childTnLst>
+                              <p:par>
+                                <p:cTn id="9" presetID="1" presetClass="entr" presetSubtype="0" fill="hold" grpId="0" nodeType="clickEffect">
+                                  <p:stCondLst>
+                                    <p:cond delay="0"/>
+                                  </p:stCondLst>
+                                  <p:childTnLst>
+                                    <p:set>
+                                      <p:cBhvr>
+                                        <p:cTn id="10" dur="1" fill="hold">
+                                          <p:stCondLst>
+                                            <p:cond delay="0"/>
+                                          </p:stCondLst>
+                                        </p:cTn>
+                                        <p:tgtEl>
+                                          <p:spTgt spid="6"/>
+                                        </p:tgtEl>
+                                        <p:attrNameLst>
+                                          <p:attrName>style.visibility</p:attrName>
+                                        </p:attrNameLst>
+                                      </p:cBhvr>
+                                      <p:to>
+                                        <p:strVal val="visible"/>
+                                      </p:to>
+                                    </p:set>
+                                  </p:childTnLst>
+                                </p:cTn>
+                              </p:par>
+                            </p:childTnLst>
+                          </p:cTn>
+                        </p:par>
+                      </p:childTnLst>
+                    </p:cTn>
+                  </p:par>
+                  <p:par>
+                    <p:cTn id="11" fill="hold">
+                      <p:stCondLst>
+                        <p:cond delay="indefinite"/>
+                      </p:stCondLst>
+                      <p:childTnLst>
+                        <p:par>
+                          <p:cTn id="12" fill="hold">
+                            <p:stCondLst>
+                              <p:cond delay="0"/>
+                            </p:stCondLst>
+                            <p:childTnLst>
+                              <p:par>
+                                <p:cTn id="13" presetID="1" presetClass="entr" presetSubtype="0" fill="hold" grpId="0" nodeType="clickEffect">
+                                  <p:stCondLst>
+                                    <p:cond delay="0"/>
+                                  </p:stCondLst>
+                                  <p:childTnLst>
+                                    <p:set>
+                                      <p:cBhvr>
+                                        <p:cTn id="14" dur="1" fill="hold">
+                                          <p:stCondLst>
+                                            <p:cond delay="0"/>
+                                          </p:stCondLst>
+                                        </p:cTn>
+                                        <p:tgtEl>
+                                          <p:spTgt spid="7"/>
+                                        </p:tgtEl>
+                                        <p:attrNameLst>
+                                          <p:attrName>style.visibility</p:attrName>
+                                        </p:attrNameLst>
+                                      </p:cBhvr>
+                                      <p:to>
+                                        <p:strVal val="visible"/>
+                                      </p:to>
+                                    </p:set>
+                                  </p:childTnLst>
+                                </p:cTn>
+                              </p:par>
+                            </p:childTnLst>
+                          </p:cTn>
+                        </p:par>
+                      </p:childTnLst>
+                    </p:cTn>
+                  </p:par>
+                  <p:par>
+                    <p:cTn id="15" fill="hold">
+                      <p:stCondLst>
+                        <p:cond delay="indefinite"/>
+                      </p:stCondLst>
+                      <p:childTnLst>
+                        <p:par>
+                          <p:cTn id="16" fill="hold">
+                            <p:stCondLst>
+                              <p:cond delay="0"/>
+                            </p:stCondLst>
+                            <p:childTnLst>
+                              <p:par>
+                                <p:cTn id="17" presetID="1" presetClass="entr" presetSubtype="0" fill="hold" grpId="0" nodeType="clickEffect">
+                                  <p:stCondLst>
+                                    <p:cond delay="0"/>
+                                  </p:stCondLst>
+                                  <p:childTnLst>
+                                    <p:set>
+                                      <p:cBhvr>
+                                        <p:cTn id="18" dur="1" fill="hold">
+                                          <p:stCondLst>
+                                            <p:cond delay="0"/>
+                                          </p:stCondLst>
+                                        </p:cTn>
+                                        <p:tgtEl>
+                                          <p:spTgt spid="8"/>
+                                        </p:tgtEl>
+                                        <p:attrNameLst>
+                                          <p:attrName>style.visibility</p:attrName>
+                                        </p:attrNameLst>
+                                      </p:cBhvr>
+                                      <p:to>
+                                        <p:strVal val="visible"/>
+                                      </p:to>
+                                    </p:set>
+                                  </p:childTnLst>
+                                </p:cTn>
+                              </p:par>
+                            </p:childTnLst>
+                          </p:cTn>
+                        </p:par>
+                      </p:childTnLst>
+                    </p:cTn>
+                  </p:par>
+                </p:childTnLst>
+              </p:cTn>
+              <p:prevCondLst>
+                <p:cond evt="onPrev" delay="0">
+                  <p:tgtEl>
+                    <p:sldTgt/>
+                  </p:tgtEl>
+                </p:cond>
+              </p:prevCondLst>
+              <p:nextCondLst>
+                <p:cond evt="onNext" delay="0">
+                  <p:tgtEl>
+                    <p:sldTgt/>
+                  </p:tgtEl>
+                </p:cond>
+              </p:nextCondLst>
+            </p:seq>
+          </p:childTnLst>
+        </p:cTn>
+      </p:par>
+    </p:tnLst>
+    <p:bldLst>
+      <p:bldP spid="5" grpId="0"/>
+      <p:bldP spid="6" grpId="0"/>
+      <p:bldP spid="7" grpId="0"/>
+      <p:bldP spid="8" grpId="0"/>
+    </p:bldLst>
+  </p:timing>
 </p:sld>
 </file>
 

--- a/präse/Team Brustkrebs.pptx
+++ b/präse/Team Brustkrebs.pptx
@@ -3074,37 +3074,74 @@
           <a:bodyPr/>
           <a:lstStyle/>
           <a:p>
-            <a:r>
-              <a:rPr lang="en-US" dirty="0" smtClean="0"/>
-              <a:t>Snake / </a:t>
-            </a:r>
-            <a:r>
-              <a:rPr lang="en-US" dirty="0" err="1" smtClean="0"/>
-              <a:t>Hackatron</a:t>
+            <a:pPr algn="ctr"/>
+            <a:r>
+              <a:rPr lang="en-US" dirty="0" smtClean="0"/>
+              <a:t>Snake / Tron</a:t>
             </a:r>
             <a:endParaRPr lang="en-US" dirty="0"/>
           </a:p>
         </p:txBody>
       </p:sp>
-      <p:sp>
-        <p:nvSpPr>
-          <p:cNvPr id="3" name="Content Placeholder 2"/>
-          <p:cNvSpPr>
-            <a:spLocks noGrp="1"/>
-          </p:cNvSpPr>
+      <p:pic>
+        <p:nvPicPr>
+          <p:cNvPr id="6" name="Content Placeholder 5"/>
+          <p:cNvPicPr>
+            <a:picLocks noGrp="1" noChangeAspect="1"/>
+          </p:cNvPicPr>
           <p:nvPr>
             <p:ph idx="1"/>
           </p:nvPr>
-        </p:nvSpPr>
-        <p:spPr/>
-        <p:txBody>
-          <a:bodyPr/>
-          <a:lstStyle/>
-          <a:p>
-            <a:endParaRPr lang="en-US" dirty="0"/>
-          </a:p>
-        </p:txBody>
-      </p:sp>
+        </p:nvPicPr>
+        <p:blipFill>
+          <a:blip r:embed="rId2">
+            <a:extLst>
+              <a:ext uri="{28A0092B-C50C-407E-A947-70E740481C1C}">
+                <a14:useLocalDpi xmlns:a14="http://schemas.microsoft.com/office/drawing/2010/main" val="0"/>
+              </a:ext>
+            </a:extLst>
+          </a:blip>
+          <a:stretch>
+            <a:fillRect/>
+          </a:stretch>
+        </p:blipFill>
+        <p:spPr>
+          <a:xfrm>
+            <a:off x="6247570" y="1731388"/>
+            <a:ext cx="4359012" cy="4351338"/>
+          </a:xfrm>
+        </p:spPr>
+      </p:pic>
+      <p:pic>
+        <p:nvPicPr>
+          <p:cNvPr id="7" name="Picture 6"/>
+          <p:cNvPicPr>
+            <a:picLocks noChangeAspect="1"/>
+          </p:cNvPicPr>
+          <p:nvPr/>
+        </p:nvPicPr>
+        <p:blipFill>
+          <a:blip r:embed="rId3">
+            <a:extLst>
+              <a:ext uri="{28A0092B-C50C-407E-A947-70E740481C1C}">
+                <a14:useLocalDpi xmlns:a14="http://schemas.microsoft.com/office/drawing/2010/main" val="0"/>
+              </a:ext>
+            </a:extLst>
+          </a:blip>
+          <a:stretch>
+            <a:fillRect/>
+          </a:stretch>
+        </p:blipFill>
+        <p:spPr>
+          <a:xfrm>
+            <a:off x="1144982" y="1731388"/>
+            <a:ext cx="4286848" cy="1857634"/>
+          </a:xfrm>
+          <a:prstGeom prst="rect">
+            <a:avLst/>
+          </a:prstGeom>
+        </p:spPr>
+      </p:pic>
     </p:spTree>
     <p:extLst>
       <p:ext uri="{BB962C8B-B14F-4D97-AF65-F5344CB8AC3E}">
@@ -3164,8 +3201,8 @@
         </p:blipFill>
         <p:spPr>
           <a:xfrm>
-            <a:off x="5376616" y="1027906"/>
-            <a:ext cx="9601984" cy="4983308"/>
+            <a:off x="0" y="0"/>
+            <a:ext cx="13214196" cy="6858000"/>
           </a:xfrm>
           <a:prstGeom prst="rect">
             <a:avLst/>
@@ -3174,108 +3211,182 @@
       </p:pic>
       <p:sp>
         <p:nvSpPr>
-          <p:cNvPr id="2" name="Title 1"/>
-          <p:cNvSpPr>
-            <a:spLocks noGrp="1"/>
-          </p:cNvSpPr>
-          <p:nvPr>
-            <p:ph type="title"/>
-          </p:nvPr>
-        </p:nvSpPr>
-        <p:spPr/>
-        <p:txBody>
-          <a:bodyPr/>
-          <a:lstStyle/>
-          <a:p>
-            <a:r>
-              <a:rPr lang="en-US" dirty="0" smtClean="0"/>
+          <p:cNvPr id="6" name="TextBox 5"/>
+          <p:cNvSpPr txBox="1"/>
+          <p:nvPr/>
+        </p:nvSpPr>
+        <p:spPr>
+          <a:xfrm>
+            <a:off x="1205548" y="1665354"/>
+            <a:ext cx="1974573" cy="923330"/>
+          </a:xfrm>
+          <a:prstGeom prst="rect">
+            <a:avLst/>
+          </a:prstGeom>
+          <a:solidFill>
+            <a:schemeClr val="bg1"/>
+          </a:solidFill>
+        </p:spPr>
+        <p:txBody>
+          <a:bodyPr wrap="square" rtlCol="0">
+            <a:spAutoFit/>
+          </a:bodyPr>
+          <a:lstStyle/>
+          <a:p>
+            <a:r>
+              <a:rPr lang="en-US" dirty="0" smtClean="0"/>
+              <a:t>NEAT</a:t>
+            </a:r>
+          </a:p>
+          <a:p>
+            <a:r>
+              <a:rPr lang="en-US" dirty="0" err="1" smtClean="0"/>
+              <a:t>AlphaSnake</a:t>
+            </a:r>
+            <a:endParaRPr lang="en-US" dirty="0" smtClean="0"/>
+          </a:p>
+          <a:p>
+            <a:r>
+              <a:rPr lang="en-US" dirty="0" smtClean="0"/>
+              <a:t>DQN</a:t>
+            </a:r>
+            <a:endParaRPr lang="en-US" dirty="0" smtClean="0"/>
+          </a:p>
+        </p:txBody>
+      </p:sp>
+      <p:sp>
+        <p:nvSpPr>
+          <p:cNvPr id="8" name="TextBox 7"/>
+          <p:cNvSpPr txBox="1"/>
+          <p:nvPr/>
+        </p:nvSpPr>
+        <p:spPr>
+          <a:xfrm>
+            <a:off x="3087756" y="2780896"/>
+            <a:ext cx="184731" cy="646331"/>
+          </a:xfrm>
+          <a:prstGeom prst="rect">
+            <a:avLst/>
+          </a:prstGeom>
+          <a:noFill/>
+        </p:spPr>
+        <p:txBody>
+          <a:bodyPr wrap="none" rtlCol="0">
+            <a:spAutoFit/>
+          </a:bodyPr>
+          <a:lstStyle/>
+          <a:p>
+            <a:endParaRPr lang="en-US" dirty="0" smtClean="0"/>
+          </a:p>
+          <a:p>
+            <a:endParaRPr lang="en-US" dirty="0"/>
+          </a:p>
+        </p:txBody>
+      </p:sp>
+      <p:sp>
+        <p:nvSpPr>
+          <p:cNvPr id="9" name="TextBox 8"/>
+          <p:cNvSpPr txBox="1"/>
+          <p:nvPr/>
+        </p:nvSpPr>
+        <p:spPr>
+          <a:xfrm>
+            <a:off x="1205548" y="3842405"/>
+            <a:ext cx="3030004" cy="923330"/>
+          </a:xfrm>
+          <a:prstGeom prst="rect">
+            <a:avLst/>
+          </a:prstGeom>
+          <a:solidFill>
+            <a:schemeClr val="bg1"/>
+          </a:solidFill>
+        </p:spPr>
+        <p:txBody>
+          <a:bodyPr wrap="square" rtlCol="0">
+            <a:spAutoFit/>
+          </a:bodyPr>
+          <a:lstStyle/>
+          <a:p>
+            <a:r>
+              <a:rPr lang="en-US" dirty="0" smtClean="0"/>
+              <a:t>Reinforcement learning</a:t>
+            </a:r>
+          </a:p>
+          <a:p>
+            <a:r>
+              <a:rPr lang="en-US" dirty="0" err="1" smtClean="0"/>
+              <a:t>keine</a:t>
+            </a:r>
+            <a:r>
+              <a:rPr lang="en-US" dirty="0" smtClean="0"/>
+              <a:t> </a:t>
+            </a:r>
+            <a:r>
+              <a:rPr lang="en-US" dirty="0" err="1" smtClean="0"/>
+              <a:t>gelabelten</a:t>
+            </a:r>
+            <a:r>
+              <a:rPr lang="en-US" dirty="0" smtClean="0"/>
+              <a:t> </a:t>
+            </a:r>
+            <a:r>
+              <a:rPr lang="en-US" dirty="0" err="1" smtClean="0"/>
+              <a:t>Daten</a:t>
+            </a:r>
+            <a:endParaRPr lang="en-US" dirty="0" smtClean="0"/>
+          </a:p>
+          <a:p>
+            <a:r>
+              <a:rPr lang="en-US" dirty="0" err="1" smtClean="0"/>
+              <a:t>keine</a:t>
+            </a:r>
+            <a:r>
+              <a:rPr lang="en-US" dirty="0" smtClean="0"/>
+              <a:t> Fitness</a:t>
+            </a:r>
+            <a:endParaRPr lang="en-US" dirty="0" smtClean="0"/>
+          </a:p>
+        </p:txBody>
+      </p:sp>
+      <p:sp>
+        <p:nvSpPr>
+          <p:cNvPr id="10" name="TextBox 9"/>
+          <p:cNvSpPr txBox="1"/>
+          <p:nvPr/>
+        </p:nvSpPr>
+        <p:spPr>
+          <a:xfrm>
+            <a:off x="4819310" y="473745"/>
+            <a:ext cx="2553377" cy="769441"/>
+          </a:xfrm>
+          <a:prstGeom prst="rect">
+            <a:avLst/>
+          </a:prstGeom>
+          <a:solidFill>
+            <a:schemeClr val="bg1"/>
+          </a:solidFill>
+        </p:spPr>
+        <p:txBody>
+          <a:bodyPr wrap="square" rtlCol="0">
+            <a:spAutoFit/>
+          </a:bodyPr>
+          <a:lstStyle/>
+          <a:p>
+            <a:r>
+              <a:rPr lang="en-US" sz="4400" dirty="0" smtClean="0">
+                <a:latin typeface="+mj-lt"/>
+              </a:rPr>
               <a:t>AI </a:t>
             </a:r>
             <a:r>
-              <a:rPr lang="en-US" dirty="0" err="1" smtClean="0"/>
+              <a:rPr lang="en-US" sz="4400" dirty="0" err="1" smtClean="0">
+                <a:latin typeface="+mj-lt"/>
+              </a:rPr>
               <a:t>Ansätze</a:t>
             </a:r>
-            <a:endParaRPr lang="en-US" dirty="0"/>
-          </a:p>
-        </p:txBody>
-      </p:sp>
-      <p:sp>
-        <p:nvSpPr>
-          <p:cNvPr id="3" name="Content Placeholder 2"/>
-          <p:cNvSpPr>
-            <a:spLocks noGrp="1"/>
-          </p:cNvSpPr>
-          <p:nvPr>
-            <p:ph idx="1"/>
-          </p:nvPr>
-        </p:nvSpPr>
-        <p:spPr/>
-        <p:txBody>
-          <a:bodyPr/>
-          <a:lstStyle/>
-          <a:p>
-            <a:r>
-              <a:rPr lang="en-US" dirty="0" smtClean="0"/>
-              <a:t>NEAT</a:t>
-            </a:r>
-          </a:p>
-          <a:p>
-            <a:r>
-              <a:rPr lang="en-US" dirty="0" err="1" smtClean="0"/>
-              <a:t>AlphaSnake</a:t>
-            </a:r>
-            <a:endParaRPr lang="en-US" dirty="0" smtClean="0"/>
-          </a:p>
-          <a:p>
-            <a:r>
-              <a:rPr lang="en-US" dirty="0" smtClean="0"/>
-              <a:t>DQN</a:t>
-            </a:r>
-          </a:p>
-          <a:p>
-            <a:endParaRPr lang="en-US" dirty="0"/>
-          </a:p>
-          <a:p>
-            <a:r>
-              <a:rPr lang="en-US" dirty="0" smtClean="0"/>
-              <a:t>Reinforcement learning</a:t>
-            </a:r>
-          </a:p>
-          <a:p>
-            <a:r>
-              <a:rPr lang="en-US" dirty="0" err="1" smtClean="0"/>
-              <a:t>keine</a:t>
-            </a:r>
-            <a:r>
-              <a:rPr lang="en-US" dirty="0" smtClean="0"/>
-              <a:t> </a:t>
-            </a:r>
-            <a:r>
-              <a:rPr lang="en-US" dirty="0" err="1" smtClean="0"/>
-              <a:t>gelabelten</a:t>
-            </a:r>
-            <a:r>
-              <a:rPr lang="en-US" dirty="0" smtClean="0"/>
-              <a:t> </a:t>
-            </a:r>
-            <a:r>
-              <a:rPr lang="en-US" dirty="0" err="1" smtClean="0"/>
-              <a:t>Daten</a:t>
-            </a:r>
-            <a:endParaRPr lang="en-US" dirty="0" smtClean="0"/>
-          </a:p>
-          <a:p>
-            <a:r>
-              <a:rPr lang="en-US" dirty="0" err="1" smtClean="0"/>
-              <a:t>keine</a:t>
-            </a:r>
-            <a:r>
-              <a:rPr lang="en-US" dirty="0" smtClean="0"/>
-              <a:t> Fitness</a:t>
-            </a:r>
-          </a:p>
-          <a:p>
-            <a:endParaRPr lang="en-US" dirty="0"/>
+            <a:endParaRPr lang="en-US" sz="4400" dirty="0" smtClean="0">
+              <a:latin typeface="+mj-lt"/>
+            </a:endParaRPr>
           </a:p>
         </p:txBody>
       </p:sp>
@@ -3292,141 +3403,7 @@
   <p:timing>
     <p:tnLst>
       <p:par>
-        <p:cTn id="1" dur="indefinite" restart="never" nodeType="tmRoot">
-          <p:childTnLst>
-            <p:seq concurrent="1" nextAc="seek">
-              <p:cTn id="2" dur="indefinite" nodeType="mainSeq">
-                <p:childTnLst>
-                  <p:par>
-                    <p:cTn id="3" fill="hold">
-                      <p:stCondLst>
-                        <p:cond delay="indefinite"/>
-                      </p:stCondLst>
-                      <p:childTnLst>
-                        <p:par>
-                          <p:cTn id="4" fill="hold">
-                            <p:stCondLst>
-                              <p:cond delay="0"/>
-                            </p:stCondLst>
-                            <p:childTnLst>
-                              <p:par>
-                                <p:cTn id="5" presetID="1" presetClass="entr" presetSubtype="0" fill="hold" nodeType="clickEffect">
-                                  <p:stCondLst>
-                                    <p:cond delay="0"/>
-                                  </p:stCondLst>
-                                  <p:childTnLst>
-                                    <p:set>
-                                      <p:cBhvr>
-                                        <p:cTn id="6" dur="1" fill="hold">
-                                          <p:stCondLst>
-                                            <p:cond delay="0"/>
-                                          </p:stCondLst>
-                                        </p:cTn>
-                                        <p:tgtEl>
-                                          <p:spTgt spid="3">
-                                            <p:txEl>
-                                              <p:pRg st="4" end="4"/>
-                                            </p:txEl>
-                                          </p:spTgt>
-                                        </p:tgtEl>
-                                        <p:attrNameLst>
-                                          <p:attrName>style.visibility</p:attrName>
-                                        </p:attrNameLst>
-                                      </p:cBhvr>
-                                      <p:to>
-                                        <p:strVal val="visible"/>
-                                      </p:to>
-                                    </p:set>
-                                  </p:childTnLst>
-                                </p:cTn>
-                              </p:par>
-                              <p:par>
-                                <p:cTn id="7" presetID="1" presetClass="entr" presetSubtype="0" fill="hold" nodeType="withEffect">
-                                  <p:stCondLst>
-                                    <p:cond delay="0"/>
-                                  </p:stCondLst>
-                                  <p:childTnLst>
-                                    <p:set>
-                                      <p:cBhvr>
-                                        <p:cTn id="8" dur="1" fill="hold">
-                                          <p:stCondLst>
-                                            <p:cond delay="0"/>
-                                          </p:stCondLst>
-                                        </p:cTn>
-                                        <p:tgtEl>
-                                          <p:spTgt spid="3">
-                                            <p:txEl>
-                                              <p:pRg st="5" end="5"/>
-                                            </p:txEl>
-                                          </p:spTgt>
-                                        </p:tgtEl>
-                                        <p:attrNameLst>
-                                          <p:attrName>style.visibility</p:attrName>
-                                        </p:attrNameLst>
-                                      </p:cBhvr>
-                                      <p:to>
-                                        <p:strVal val="visible"/>
-                                      </p:to>
-                                    </p:set>
-                                  </p:childTnLst>
-                                </p:cTn>
-                              </p:par>
-                              <p:par>
-                                <p:cTn id="9" presetID="1" presetClass="entr" presetSubtype="0" fill="hold" nodeType="withEffect">
-                                  <p:stCondLst>
-                                    <p:cond delay="0"/>
-                                  </p:stCondLst>
-                                  <p:childTnLst>
-                                    <p:set>
-                                      <p:cBhvr>
-                                        <p:cTn id="10" dur="1" fill="hold">
-                                          <p:stCondLst>
-                                            <p:cond delay="0"/>
-                                          </p:stCondLst>
-                                        </p:cTn>
-                                        <p:tgtEl>
-                                          <p:spTgt spid="3">
-                                            <p:txEl>
-                                              <p:pRg st="6" end="6"/>
-                                            </p:txEl>
-                                          </p:spTgt>
-                                        </p:tgtEl>
-                                        <p:attrNameLst>
-                                          <p:attrName>style.visibility</p:attrName>
-                                        </p:attrNameLst>
-                                      </p:cBhvr>
-                                      <p:to>
-                                        <p:strVal val="visible"/>
-                                      </p:to>
-                                    </p:set>
-                                  </p:childTnLst>
-                                </p:cTn>
-                              </p:par>
-                            </p:childTnLst>
-                          </p:cTn>
-                        </p:par>
-                      </p:childTnLst>
-                    </p:cTn>
-                  </p:par>
-                </p:childTnLst>
-              </p:cTn>
-              <p:prevCondLst>
-                <p:cond evt="onPrev" delay="0">
-                  <p:tgtEl>
-                    <p:sldTgt/>
-                  </p:tgtEl>
-                </p:cond>
-              </p:prevCondLst>
-              <p:nextCondLst>
-                <p:cond evt="onNext" delay="0">
-                  <p:tgtEl>
-                    <p:sldTgt/>
-                  </p:tgtEl>
-                </p:cond>
-              </p:nextCondLst>
-            </p:seq>
-          </p:childTnLst>
-        </p:cTn>
+        <p:cTn id="1" dur="indefinite" restart="never" nodeType="tmRoot"/>
       </p:par>
     </p:tnLst>
   </p:timing>
@@ -3486,7 +3463,7 @@
         </p:nvSpPr>
         <p:spPr>
           <a:xfrm>
-            <a:off x="4908259" y="1690688"/>
+            <a:off x="7791633" y="1881590"/>
             <a:ext cx="3921741" cy="4351338"/>
           </a:xfrm>
         </p:spPr>
@@ -3606,7 +3583,7 @@
         </p:blipFill>
         <p:spPr>
           <a:xfrm>
-            <a:off x="-2392181" y="1491906"/>
+            <a:off x="178367" y="1591369"/>
             <a:ext cx="6992326" cy="5601482"/>
           </a:xfrm>
           <a:prstGeom prst="rect">
@@ -3970,6 +3947,36 @@
           <a:chExt cx="0" cy="0"/>
         </a:xfrm>
       </p:grpSpPr>
+      <p:pic>
+        <p:nvPicPr>
+          <p:cNvPr id="4" name="Picture 3"/>
+          <p:cNvPicPr>
+            <a:picLocks noChangeAspect="1"/>
+          </p:cNvPicPr>
+          <p:nvPr/>
+        </p:nvPicPr>
+        <p:blipFill>
+          <a:blip r:embed="rId2">
+            <a:extLst>
+              <a:ext uri="{28A0092B-C50C-407E-A947-70E740481C1C}">
+                <a14:useLocalDpi xmlns:a14="http://schemas.microsoft.com/office/drawing/2010/main" val="0"/>
+              </a:ext>
+            </a:extLst>
+          </a:blip>
+          <a:stretch>
+            <a:fillRect/>
+          </a:stretch>
+        </p:blipFill>
+        <p:spPr>
+          <a:xfrm>
+            <a:off x="6973105" y="2745805"/>
+            <a:ext cx="4762500" cy="3000375"/>
+          </a:xfrm>
+          <a:prstGeom prst="rect">
+            <a:avLst/>
+          </a:prstGeom>
+        </p:spPr>
+      </p:pic>
       <p:sp>
         <p:nvSpPr>
           <p:cNvPr id="2" name="Title 1"/>
